--- a/figures/PROP.pptx
+++ b/figures/PROP.pptx
@@ -259,7 +259,7 @@
           <a:p>
             <a:fld id="{2519DAAC-120C-0240-9D22-F48431A58E48}" type="datetimeFigureOut">
               <a:rPr lang="en-US" smtClean="0"/>
-              <a:t>2/5/19</a:t>
+              <a:t>2/7/19</a:t>
             </a:fld>
             <a:endParaRPr lang="en-US"/>
           </a:p>
@@ -457,7 +457,7 @@
           <a:p>
             <a:fld id="{2519DAAC-120C-0240-9D22-F48431A58E48}" type="datetimeFigureOut">
               <a:rPr lang="en-US" smtClean="0"/>
-              <a:t>2/5/19</a:t>
+              <a:t>2/7/19</a:t>
             </a:fld>
             <a:endParaRPr lang="en-US"/>
           </a:p>
@@ -665,7 +665,7 @@
           <a:p>
             <a:fld id="{2519DAAC-120C-0240-9D22-F48431A58E48}" type="datetimeFigureOut">
               <a:rPr lang="en-US" smtClean="0"/>
-              <a:t>2/5/19</a:t>
+              <a:t>2/7/19</a:t>
             </a:fld>
             <a:endParaRPr lang="en-US"/>
           </a:p>
@@ -863,7 +863,7 @@
           <a:p>
             <a:fld id="{2519DAAC-120C-0240-9D22-F48431A58E48}" type="datetimeFigureOut">
               <a:rPr lang="en-US" smtClean="0"/>
-              <a:t>2/5/19</a:t>
+              <a:t>2/7/19</a:t>
             </a:fld>
             <a:endParaRPr lang="en-US"/>
           </a:p>
@@ -1138,7 +1138,7 @@
           <a:p>
             <a:fld id="{2519DAAC-120C-0240-9D22-F48431A58E48}" type="datetimeFigureOut">
               <a:rPr lang="en-US" smtClean="0"/>
-              <a:t>2/5/19</a:t>
+              <a:t>2/7/19</a:t>
             </a:fld>
             <a:endParaRPr lang="en-US"/>
           </a:p>
@@ -1403,7 +1403,7 @@
           <a:p>
             <a:fld id="{2519DAAC-120C-0240-9D22-F48431A58E48}" type="datetimeFigureOut">
               <a:rPr lang="en-US" smtClean="0"/>
-              <a:t>2/5/19</a:t>
+              <a:t>2/7/19</a:t>
             </a:fld>
             <a:endParaRPr lang="en-US"/>
           </a:p>
@@ -1815,7 +1815,7 @@
           <a:p>
             <a:fld id="{2519DAAC-120C-0240-9D22-F48431A58E48}" type="datetimeFigureOut">
               <a:rPr lang="en-US" smtClean="0"/>
-              <a:t>2/5/19</a:t>
+              <a:t>2/7/19</a:t>
             </a:fld>
             <a:endParaRPr lang="en-US"/>
           </a:p>
@@ -1956,7 +1956,7 @@
           <a:p>
             <a:fld id="{2519DAAC-120C-0240-9D22-F48431A58E48}" type="datetimeFigureOut">
               <a:rPr lang="en-US" smtClean="0"/>
-              <a:t>2/5/19</a:t>
+              <a:t>2/7/19</a:t>
             </a:fld>
             <a:endParaRPr lang="en-US"/>
           </a:p>
@@ -2069,7 +2069,7 @@
           <a:p>
             <a:fld id="{2519DAAC-120C-0240-9D22-F48431A58E48}" type="datetimeFigureOut">
               <a:rPr lang="en-US" smtClean="0"/>
-              <a:t>2/5/19</a:t>
+              <a:t>2/7/19</a:t>
             </a:fld>
             <a:endParaRPr lang="en-US"/>
           </a:p>
@@ -2380,7 +2380,7 @@
           <a:p>
             <a:fld id="{2519DAAC-120C-0240-9D22-F48431A58E48}" type="datetimeFigureOut">
               <a:rPr lang="en-US" smtClean="0"/>
-              <a:t>2/5/19</a:t>
+              <a:t>2/7/19</a:t>
             </a:fld>
             <a:endParaRPr lang="en-US"/>
           </a:p>
@@ -2668,7 +2668,7 @@
           <a:p>
             <a:fld id="{2519DAAC-120C-0240-9D22-F48431A58E48}" type="datetimeFigureOut">
               <a:rPr lang="en-US" smtClean="0"/>
-              <a:t>2/5/19</a:t>
+              <a:t>2/7/19</a:t>
             </a:fld>
             <a:endParaRPr lang="en-US"/>
           </a:p>
@@ -2909,7 +2909,7 @@
           <a:p>
             <a:fld id="{2519DAAC-120C-0240-9D22-F48431A58E48}" type="datetimeFigureOut">
               <a:rPr lang="en-US" smtClean="0"/>
-              <a:t>2/5/19</a:t>
+              <a:t>2/7/19</a:t>
             </a:fld>
             <a:endParaRPr lang="en-US"/>
           </a:p>
@@ -3574,8 +3574,8 @@
             <a:solidFill>
               <a:schemeClr val="tx1"/>
             </a:solidFill>
-            <a:headEnd type="arrow" w="med" len="med"/>
-            <a:tailEnd type="arrow" w="med" len="med"/>
+            <a:headEnd type="arrow" w="lg" len="lg"/>
+            <a:tailEnd type="arrow" w="lg" len="lg"/>
           </a:ln>
         </p:spPr>
         <p:style>
@@ -3619,8 +3619,8 @@
             <a:solidFill>
               <a:schemeClr val="tx1"/>
             </a:solidFill>
-            <a:headEnd type="arrow" w="med" len="med"/>
-            <a:tailEnd type="arrow" w="med" len="med"/>
+            <a:headEnd type="arrow" w="lg" len="lg"/>
+            <a:tailEnd type="arrow" w="lg" len="lg"/>
           </a:ln>
         </p:spPr>
         <p:style>
@@ -3666,7 +3666,7 @@
               <a:schemeClr val="tx1"/>
             </a:solidFill>
             <a:headEnd type="none" w="med" len="med"/>
-            <a:tailEnd type="arrow" w="med" len="med"/>
+            <a:tailEnd type="arrow" w="lg" len="lg"/>
           </a:ln>
         </p:spPr>
         <p:style>
@@ -3709,7 +3709,7 @@
               <a:schemeClr val="tx1"/>
             </a:solidFill>
             <a:headEnd type="none" w="med" len="med"/>
-            <a:tailEnd type="arrow" w="med" len="med"/>
+            <a:tailEnd type="arrow" w="lg" len="lg"/>
           </a:ln>
         </p:spPr>
         <p:style>
@@ -3752,7 +3752,7 @@
               <a:schemeClr val="tx1"/>
             </a:solidFill>
             <a:headEnd type="none" w="med" len="med"/>
-            <a:tailEnd type="arrow" w="med" len="med"/>
+            <a:tailEnd type="arrow" w="lg" len="lg"/>
           </a:ln>
         </p:spPr>
         <p:style>
@@ -3797,7 +3797,7 @@
               <a:schemeClr val="tx1"/>
             </a:solidFill>
             <a:headEnd type="none" w="med" len="med"/>
-            <a:tailEnd type="arrow" w="med" len="med"/>
+            <a:tailEnd type="arrow" w="lg" len="lg"/>
           </a:ln>
         </p:spPr>
         <p:style>
@@ -3840,7 +3840,7 @@
               <a:schemeClr val="tx1"/>
             </a:solidFill>
             <a:headEnd type="none" w="med" len="med"/>
-            <a:tailEnd type="arrow" w="med" len="med"/>
+            <a:tailEnd type="arrow" w="lg" len="lg"/>
           </a:ln>
         </p:spPr>
         <p:style>
@@ -3886,7 +3886,7 @@
               <a:schemeClr val="tx1"/>
             </a:solidFill>
             <a:headEnd type="none" w="med" len="med"/>
-            <a:tailEnd type="arrow" w="med" len="med"/>
+            <a:tailEnd type="arrow" w="lg" len="lg"/>
           </a:ln>
         </p:spPr>
         <p:style>
@@ -3929,7 +3929,7 @@
               <a:schemeClr val="tx1"/>
             </a:solidFill>
             <a:headEnd type="none" w="med" len="med"/>
-            <a:tailEnd type="arrow" w="med" len="med"/>
+            <a:tailEnd type="arrow" w="lg" len="lg"/>
           </a:ln>
         </p:spPr>
         <p:style>
@@ -3947,6 +3947,38 @@
           </a:fontRef>
         </p:style>
       </p:cxnSp>
+      <p:sp>
+        <p:nvSpPr>
+          <p:cNvPr id="2" name="TextBox 1">
+            <a:extLst>
+              <a:ext uri="{FF2B5EF4-FFF2-40B4-BE49-F238E27FC236}">
+                <a16:creationId xmlns:a16="http://schemas.microsoft.com/office/drawing/2014/main" id="{6DE97407-9E96-6B40-84BA-59CFE9E34612}"/>
+              </a:ext>
+            </a:extLst>
+          </p:cNvPr>
+          <p:cNvSpPr txBox="1"/>
+          <p:nvPr/>
+        </p:nvSpPr>
+        <p:spPr>
+          <a:xfrm>
+            <a:off x="11761940" y="5098093"/>
+            <a:ext cx="184731" cy="369332"/>
+          </a:xfrm>
+          <a:prstGeom prst="rect">
+            <a:avLst/>
+          </a:prstGeom>
+          <a:noFill/>
+        </p:spPr>
+        <p:txBody>
+          <a:bodyPr wrap="none" rtlCol="0">
+            <a:spAutoFit/>
+          </a:bodyPr>
+          <a:lstStyle/>
+          <a:p>
+            <a:endParaRPr lang="en-US" dirty="0"/>
+          </a:p>
+        </p:txBody>
+      </p:sp>
     </p:spTree>
     <p:extLst>
       <p:ext uri="{BB962C8B-B14F-4D97-AF65-F5344CB8AC3E}">
